--- a/ppt 16-9/0714.给我真正的自由.pptx
+++ b/ppt 16-9/0714.给我真正的自由.pptx
@@ -5,7 +5,7 @@
     <p:sldMasterId id="2147483648" r:id="rId1"/>
   </p:sldMasterIdLst>
   <p:sldIdLst>
-    <p:sldId id="1945" r:id="rId2"/>
+    <p:sldId id="1946" r:id="rId2"/>
   </p:sldIdLst>
   <p:sldSz cx="12192000" cy="6858000"/>
   <p:notesSz cx="6858000" cy="9144000"/>
@@ -129,7 +129,7 @@
           <p:cNvPr id="2" name="标题 1">
             <a:extLst>
               <a:ext uri="{FF2B5EF4-FFF2-40B4-BE49-F238E27FC236}">
-                <a16:creationId xmlns:a16="http://schemas.microsoft.com/office/drawing/2014/main" id="{1E70E3FE-0D4F-1ACF-72CE-30475F2AD146}"/>
+                <a16:creationId xmlns:a16="http://schemas.microsoft.com/office/drawing/2014/main" id="{6B62233B-1F92-F8F6-D6C4-A3FBFF553761}"/>
               </a:ext>
             </a:extLst>
           </p:cNvPr>
@@ -166,7 +166,7 @@
           <p:cNvPr id="3" name="副标题 2">
             <a:extLst>
               <a:ext uri="{FF2B5EF4-FFF2-40B4-BE49-F238E27FC236}">
-                <a16:creationId xmlns:a16="http://schemas.microsoft.com/office/drawing/2014/main" id="{3D7D3C61-239B-48AE-78F0-33698BB5EC29}"/>
+                <a16:creationId xmlns:a16="http://schemas.microsoft.com/office/drawing/2014/main" id="{B9B9AE08-6514-590A-B0EF-A893F3CF8244}"/>
               </a:ext>
             </a:extLst>
           </p:cNvPr>
@@ -236,7 +236,7 @@
           <p:cNvPr id="4" name="日期占位符 3">
             <a:extLst>
               <a:ext uri="{FF2B5EF4-FFF2-40B4-BE49-F238E27FC236}">
-                <a16:creationId xmlns:a16="http://schemas.microsoft.com/office/drawing/2014/main" id="{2C365825-A987-C241-ECBF-544A056EF88E}"/>
+                <a16:creationId xmlns:a16="http://schemas.microsoft.com/office/drawing/2014/main" id="{07326BD4-5908-C37D-6FF3-E7A2BFAE70CC}"/>
               </a:ext>
             </a:extLst>
           </p:cNvPr>
@@ -252,7 +252,7 @@
           <a:bodyPr/>
           <a:lstStyle/>
           <a:p>
-            <a:fld id="{6189809B-CD88-48E3-BF7B-E2C5ABCB4D81}" type="datetimeFigureOut">
+            <a:fld id="{7C119E34-6C8D-4E9C-BAB9-2110685CF4C5}" type="datetimeFigureOut">
               <a:rPr lang="zh-CN" altLang="en-US" smtClean="0"/>
               <a:t>2024/3/10</a:t>
             </a:fld>
@@ -265,7 +265,7 @@
           <p:cNvPr id="5" name="页脚占位符 4">
             <a:extLst>
               <a:ext uri="{FF2B5EF4-FFF2-40B4-BE49-F238E27FC236}">
-                <a16:creationId xmlns:a16="http://schemas.microsoft.com/office/drawing/2014/main" id="{FCCAFAEF-C48C-E223-8F43-3B8B387D4BA8}"/>
+                <a16:creationId xmlns:a16="http://schemas.microsoft.com/office/drawing/2014/main" id="{353EE3A6-6D80-435A-E123-5B27F7CC6D79}"/>
               </a:ext>
             </a:extLst>
           </p:cNvPr>
@@ -290,7 +290,7 @@
           <p:cNvPr id="6" name="灯片编号占位符 5">
             <a:extLst>
               <a:ext uri="{FF2B5EF4-FFF2-40B4-BE49-F238E27FC236}">
-                <a16:creationId xmlns:a16="http://schemas.microsoft.com/office/drawing/2014/main" id="{D01DB5C4-5D5D-7BF0-9B00-208BC0662C6D}"/>
+                <a16:creationId xmlns:a16="http://schemas.microsoft.com/office/drawing/2014/main" id="{FF8DA686-8431-5B91-3B76-D419DBC8DC16}"/>
               </a:ext>
             </a:extLst>
           </p:cNvPr>
@@ -306,7 +306,7 @@
           <a:bodyPr/>
           <a:lstStyle/>
           <a:p>
-            <a:fld id="{DC630F52-86B8-424D-B84B-2640C39C887C}" type="slidenum">
+            <a:fld id="{EADE42FD-C556-4BFA-8D0A-076CDE83B0BF}" type="slidenum">
               <a:rPr lang="zh-CN" altLang="en-US" smtClean="0"/>
               <a:t>‹#›</a:t>
             </a:fld>
@@ -317,7 +317,7 @@
     </p:spTree>
     <p:extLst>
       <p:ext uri="{BB962C8B-B14F-4D97-AF65-F5344CB8AC3E}">
-        <p14:creationId xmlns:p14="http://schemas.microsoft.com/office/powerpoint/2010/main" val="155345751"/>
+        <p14:creationId xmlns:p14="http://schemas.microsoft.com/office/powerpoint/2010/main" val="3206398664"/>
       </p:ext>
     </p:extLst>
   </p:cSld>
@@ -349,7 +349,7 @@
           <p:cNvPr id="2" name="标题 1">
             <a:extLst>
               <a:ext uri="{FF2B5EF4-FFF2-40B4-BE49-F238E27FC236}">
-                <a16:creationId xmlns:a16="http://schemas.microsoft.com/office/drawing/2014/main" id="{619E582A-C3A0-7D9F-74B2-FC21DD6D4A01}"/>
+                <a16:creationId xmlns:a16="http://schemas.microsoft.com/office/drawing/2014/main" id="{885AB108-6E80-52A8-25FC-E3DE83D019EF}"/>
               </a:ext>
             </a:extLst>
           </p:cNvPr>
@@ -377,7 +377,7 @@
           <p:cNvPr id="3" name="竖排文字占位符 2">
             <a:extLst>
               <a:ext uri="{FF2B5EF4-FFF2-40B4-BE49-F238E27FC236}">
-                <a16:creationId xmlns:a16="http://schemas.microsoft.com/office/drawing/2014/main" id="{E5F033AF-30D4-BFE7-2ABA-E12E61336514}"/>
+                <a16:creationId xmlns:a16="http://schemas.microsoft.com/office/drawing/2014/main" id="{1C10C96F-6243-A898-6CD1-F4BEC6D7C602}"/>
               </a:ext>
             </a:extLst>
           </p:cNvPr>
@@ -434,7 +434,7 @@
           <p:cNvPr id="4" name="日期占位符 3">
             <a:extLst>
               <a:ext uri="{FF2B5EF4-FFF2-40B4-BE49-F238E27FC236}">
-                <a16:creationId xmlns:a16="http://schemas.microsoft.com/office/drawing/2014/main" id="{02DA3329-90C8-9190-E19F-C0D1526C4FAC}"/>
+                <a16:creationId xmlns:a16="http://schemas.microsoft.com/office/drawing/2014/main" id="{664A5F67-316C-193E-250F-097FA8F17AFB}"/>
               </a:ext>
             </a:extLst>
           </p:cNvPr>
@@ -450,7 +450,7 @@
           <a:bodyPr/>
           <a:lstStyle/>
           <a:p>
-            <a:fld id="{6189809B-CD88-48E3-BF7B-E2C5ABCB4D81}" type="datetimeFigureOut">
+            <a:fld id="{7C119E34-6C8D-4E9C-BAB9-2110685CF4C5}" type="datetimeFigureOut">
               <a:rPr lang="zh-CN" altLang="en-US" smtClean="0"/>
               <a:t>2024/3/10</a:t>
             </a:fld>
@@ -463,7 +463,7 @@
           <p:cNvPr id="5" name="页脚占位符 4">
             <a:extLst>
               <a:ext uri="{FF2B5EF4-FFF2-40B4-BE49-F238E27FC236}">
-                <a16:creationId xmlns:a16="http://schemas.microsoft.com/office/drawing/2014/main" id="{51BC79F8-33E4-878C-2211-4EBEE90994A6}"/>
+                <a16:creationId xmlns:a16="http://schemas.microsoft.com/office/drawing/2014/main" id="{8E9A6F63-7FC6-9FF0-E383-30C1FEA7FA57}"/>
               </a:ext>
             </a:extLst>
           </p:cNvPr>
@@ -488,7 +488,7 @@
           <p:cNvPr id="6" name="灯片编号占位符 5">
             <a:extLst>
               <a:ext uri="{FF2B5EF4-FFF2-40B4-BE49-F238E27FC236}">
-                <a16:creationId xmlns:a16="http://schemas.microsoft.com/office/drawing/2014/main" id="{9C7BEF99-250A-6BCB-B31C-CD695069A5E3}"/>
+                <a16:creationId xmlns:a16="http://schemas.microsoft.com/office/drawing/2014/main" id="{D59FAF27-36FB-595C-C529-E2E9D33E3253}"/>
               </a:ext>
             </a:extLst>
           </p:cNvPr>
@@ -504,7 +504,7 @@
           <a:bodyPr/>
           <a:lstStyle/>
           <a:p>
-            <a:fld id="{DC630F52-86B8-424D-B84B-2640C39C887C}" type="slidenum">
+            <a:fld id="{EADE42FD-C556-4BFA-8D0A-076CDE83B0BF}" type="slidenum">
               <a:rPr lang="zh-CN" altLang="en-US" smtClean="0"/>
               <a:t>‹#›</a:t>
             </a:fld>
@@ -515,7 +515,7 @@
     </p:spTree>
     <p:extLst>
       <p:ext uri="{BB962C8B-B14F-4D97-AF65-F5344CB8AC3E}">
-        <p14:creationId xmlns:p14="http://schemas.microsoft.com/office/powerpoint/2010/main" val="3623484961"/>
+        <p14:creationId xmlns:p14="http://schemas.microsoft.com/office/powerpoint/2010/main" val="968965401"/>
       </p:ext>
     </p:extLst>
   </p:cSld>
@@ -547,7 +547,7 @@
           <p:cNvPr id="2" name="竖排标题 1">
             <a:extLst>
               <a:ext uri="{FF2B5EF4-FFF2-40B4-BE49-F238E27FC236}">
-                <a16:creationId xmlns:a16="http://schemas.microsoft.com/office/drawing/2014/main" id="{1DABA076-C9F5-EDCB-0ED9-1E0261F0E468}"/>
+                <a16:creationId xmlns:a16="http://schemas.microsoft.com/office/drawing/2014/main" id="{51479CDA-C3DB-81D3-F658-FC1A9A49A4C9}"/>
               </a:ext>
             </a:extLst>
           </p:cNvPr>
@@ -580,7 +580,7 @@
           <p:cNvPr id="3" name="竖排文字占位符 2">
             <a:extLst>
               <a:ext uri="{FF2B5EF4-FFF2-40B4-BE49-F238E27FC236}">
-                <a16:creationId xmlns:a16="http://schemas.microsoft.com/office/drawing/2014/main" id="{2784CC5A-A55B-B7CF-2EE3-A9CA19D63E26}"/>
+                <a16:creationId xmlns:a16="http://schemas.microsoft.com/office/drawing/2014/main" id="{62C11CC1-8EC0-1FE3-1F2A-21BADE3CAF78}"/>
               </a:ext>
             </a:extLst>
           </p:cNvPr>
@@ -642,7 +642,7 @@
           <p:cNvPr id="4" name="日期占位符 3">
             <a:extLst>
               <a:ext uri="{FF2B5EF4-FFF2-40B4-BE49-F238E27FC236}">
-                <a16:creationId xmlns:a16="http://schemas.microsoft.com/office/drawing/2014/main" id="{1BEA08E0-8053-5279-1AC6-B0710F683E32}"/>
+                <a16:creationId xmlns:a16="http://schemas.microsoft.com/office/drawing/2014/main" id="{2196AA79-0ADA-A6B1-BCA4-65F6F99D1599}"/>
               </a:ext>
             </a:extLst>
           </p:cNvPr>
@@ -658,7 +658,7 @@
           <a:bodyPr/>
           <a:lstStyle/>
           <a:p>
-            <a:fld id="{6189809B-CD88-48E3-BF7B-E2C5ABCB4D81}" type="datetimeFigureOut">
+            <a:fld id="{7C119E34-6C8D-4E9C-BAB9-2110685CF4C5}" type="datetimeFigureOut">
               <a:rPr lang="zh-CN" altLang="en-US" smtClean="0"/>
               <a:t>2024/3/10</a:t>
             </a:fld>
@@ -671,7 +671,7 @@
           <p:cNvPr id="5" name="页脚占位符 4">
             <a:extLst>
               <a:ext uri="{FF2B5EF4-FFF2-40B4-BE49-F238E27FC236}">
-                <a16:creationId xmlns:a16="http://schemas.microsoft.com/office/drawing/2014/main" id="{90D5B19C-430F-AF30-13DE-DDBBFF9355FD}"/>
+                <a16:creationId xmlns:a16="http://schemas.microsoft.com/office/drawing/2014/main" id="{FE8B3A06-1A42-B3F1-43D1-CE9E4FCE811B}"/>
               </a:ext>
             </a:extLst>
           </p:cNvPr>
@@ -696,7 +696,7 @@
           <p:cNvPr id="6" name="灯片编号占位符 5">
             <a:extLst>
               <a:ext uri="{FF2B5EF4-FFF2-40B4-BE49-F238E27FC236}">
-                <a16:creationId xmlns:a16="http://schemas.microsoft.com/office/drawing/2014/main" id="{E2B545B7-1C46-A681-D9B1-9D423E6A9204}"/>
+                <a16:creationId xmlns:a16="http://schemas.microsoft.com/office/drawing/2014/main" id="{A6EB8F68-51F4-9E24-F522-4C28AD86CD62}"/>
               </a:ext>
             </a:extLst>
           </p:cNvPr>
@@ -712,7 +712,7 @@
           <a:bodyPr/>
           <a:lstStyle/>
           <a:p>
-            <a:fld id="{DC630F52-86B8-424D-B84B-2640C39C887C}" type="slidenum">
+            <a:fld id="{EADE42FD-C556-4BFA-8D0A-076CDE83B0BF}" type="slidenum">
               <a:rPr lang="zh-CN" altLang="en-US" smtClean="0"/>
               <a:t>‹#›</a:t>
             </a:fld>
@@ -723,7 +723,7 @@
     </p:spTree>
     <p:extLst>
       <p:ext uri="{BB962C8B-B14F-4D97-AF65-F5344CB8AC3E}">
-        <p14:creationId xmlns:p14="http://schemas.microsoft.com/office/powerpoint/2010/main" val="1121200195"/>
+        <p14:creationId xmlns:p14="http://schemas.microsoft.com/office/powerpoint/2010/main" val="3001217694"/>
       </p:ext>
     </p:extLst>
   </p:cSld>
@@ -755,7 +755,7 @@
           <p:cNvPr id="2" name="标题 1">
             <a:extLst>
               <a:ext uri="{FF2B5EF4-FFF2-40B4-BE49-F238E27FC236}">
-                <a16:creationId xmlns:a16="http://schemas.microsoft.com/office/drawing/2014/main" id="{34473083-ACDF-147F-17EE-6353F8483C83}"/>
+                <a16:creationId xmlns:a16="http://schemas.microsoft.com/office/drawing/2014/main" id="{0383C817-354C-A6C4-A31F-8E8555BB5A97}"/>
               </a:ext>
             </a:extLst>
           </p:cNvPr>
@@ -783,7 +783,7 @@
           <p:cNvPr id="3" name="内容占位符 2">
             <a:extLst>
               <a:ext uri="{FF2B5EF4-FFF2-40B4-BE49-F238E27FC236}">
-                <a16:creationId xmlns:a16="http://schemas.microsoft.com/office/drawing/2014/main" id="{077FAB9F-3BA3-3868-2F16-F23AB51BC223}"/>
+                <a16:creationId xmlns:a16="http://schemas.microsoft.com/office/drawing/2014/main" id="{C46D1C9B-059F-F239-5D3B-75532812DD97}"/>
               </a:ext>
             </a:extLst>
           </p:cNvPr>
@@ -840,7 +840,7 @@
           <p:cNvPr id="4" name="日期占位符 3">
             <a:extLst>
               <a:ext uri="{FF2B5EF4-FFF2-40B4-BE49-F238E27FC236}">
-                <a16:creationId xmlns:a16="http://schemas.microsoft.com/office/drawing/2014/main" id="{048C8A4A-FF2B-5EEC-AACE-FDEE494436D9}"/>
+                <a16:creationId xmlns:a16="http://schemas.microsoft.com/office/drawing/2014/main" id="{6AD192FC-FA2C-B180-2F74-C54DC8D9DFA6}"/>
               </a:ext>
             </a:extLst>
           </p:cNvPr>
@@ -856,7 +856,7 @@
           <a:bodyPr/>
           <a:lstStyle/>
           <a:p>
-            <a:fld id="{6189809B-CD88-48E3-BF7B-E2C5ABCB4D81}" type="datetimeFigureOut">
+            <a:fld id="{7C119E34-6C8D-4E9C-BAB9-2110685CF4C5}" type="datetimeFigureOut">
               <a:rPr lang="zh-CN" altLang="en-US" smtClean="0"/>
               <a:t>2024/3/10</a:t>
             </a:fld>
@@ -869,7 +869,7 @@
           <p:cNvPr id="5" name="页脚占位符 4">
             <a:extLst>
               <a:ext uri="{FF2B5EF4-FFF2-40B4-BE49-F238E27FC236}">
-                <a16:creationId xmlns:a16="http://schemas.microsoft.com/office/drawing/2014/main" id="{4E41BDF8-71E8-6948-9C9B-0B81999A89AF}"/>
+                <a16:creationId xmlns:a16="http://schemas.microsoft.com/office/drawing/2014/main" id="{D189D264-F6FA-9494-AB3F-5099D17EB198}"/>
               </a:ext>
             </a:extLst>
           </p:cNvPr>
@@ -894,7 +894,7 @@
           <p:cNvPr id="6" name="灯片编号占位符 5">
             <a:extLst>
               <a:ext uri="{FF2B5EF4-FFF2-40B4-BE49-F238E27FC236}">
-                <a16:creationId xmlns:a16="http://schemas.microsoft.com/office/drawing/2014/main" id="{CA43EF49-A63B-2659-DBF6-CDFC9CE95718}"/>
+                <a16:creationId xmlns:a16="http://schemas.microsoft.com/office/drawing/2014/main" id="{45509257-41BD-5420-64D4-ED1C8197D2F6}"/>
               </a:ext>
             </a:extLst>
           </p:cNvPr>
@@ -910,7 +910,7 @@
           <a:bodyPr/>
           <a:lstStyle/>
           <a:p>
-            <a:fld id="{DC630F52-86B8-424D-B84B-2640C39C887C}" type="slidenum">
+            <a:fld id="{EADE42FD-C556-4BFA-8D0A-076CDE83B0BF}" type="slidenum">
               <a:rPr lang="zh-CN" altLang="en-US" smtClean="0"/>
               <a:t>‹#›</a:t>
             </a:fld>
@@ -921,7 +921,7 @@
     </p:spTree>
     <p:extLst>
       <p:ext uri="{BB962C8B-B14F-4D97-AF65-F5344CB8AC3E}">
-        <p14:creationId xmlns:p14="http://schemas.microsoft.com/office/powerpoint/2010/main" val="2326990126"/>
+        <p14:creationId xmlns:p14="http://schemas.microsoft.com/office/powerpoint/2010/main" val="578431198"/>
       </p:ext>
     </p:extLst>
   </p:cSld>
@@ -953,7 +953,7 @@
           <p:cNvPr id="2" name="标题 1">
             <a:extLst>
               <a:ext uri="{FF2B5EF4-FFF2-40B4-BE49-F238E27FC236}">
-                <a16:creationId xmlns:a16="http://schemas.microsoft.com/office/drawing/2014/main" id="{8B449D29-1E99-0DE9-A9E4-355103D4A9C3}"/>
+                <a16:creationId xmlns:a16="http://schemas.microsoft.com/office/drawing/2014/main" id="{41086497-612B-2661-970B-5F7B0B25C0B3}"/>
               </a:ext>
             </a:extLst>
           </p:cNvPr>
@@ -990,7 +990,7 @@
           <p:cNvPr id="3" name="文本占位符 2">
             <a:extLst>
               <a:ext uri="{FF2B5EF4-FFF2-40B4-BE49-F238E27FC236}">
-                <a16:creationId xmlns:a16="http://schemas.microsoft.com/office/drawing/2014/main" id="{147E883A-0ED4-0B56-1E33-72529C1B1D42}"/>
+                <a16:creationId xmlns:a16="http://schemas.microsoft.com/office/drawing/2014/main" id="{C9968E39-DAF0-EC66-F2BC-4988F5A07A80}"/>
               </a:ext>
             </a:extLst>
           </p:cNvPr>
@@ -1115,7 +1115,7 @@
           <p:cNvPr id="4" name="日期占位符 3">
             <a:extLst>
               <a:ext uri="{FF2B5EF4-FFF2-40B4-BE49-F238E27FC236}">
-                <a16:creationId xmlns:a16="http://schemas.microsoft.com/office/drawing/2014/main" id="{C7304822-7181-F5C9-139B-265C8F18B418}"/>
+                <a16:creationId xmlns:a16="http://schemas.microsoft.com/office/drawing/2014/main" id="{8563FA31-9E95-D81E-052F-8B1AACC761A4}"/>
               </a:ext>
             </a:extLst>
           </p:cNvPr>
@@ -1131,7 +1131,7 @@
           <a:bodyPr/>
           <a:lstStyle/>
           <a:p>
-            <a:fld id="{6189809B-CD88-48E3-BF7B-E2C5ABCB4D81}" type="datetimeFigureOut">
+            <a:fld id="{7C119E34-6C8D-4E9C-BAB9-2110685CF4C5}" type="datetimeFigureOut">
               <a:rPr lang="zh-CN" altLang="en-US" smtClean="0"/>
               <a:t>2024/3/10</a:t>
             </a:fld>
@@ -1144,7 +1144,7 @@
           <p:cNvPr id="5" name="页脚占位符 4">
             <a:extLst>
               <a:ext uri="{FF2B5EF4-FFF2-40B4-BE49-F238E27FC236}">
-                <a16:creationId xmlns:a16="http://schemas.microsoft.com/office/drawing/2014/main" id="{2A0A94E0-3306-5EE0-7D68-CE8661D73EAC}"/>
+                <a16:creationId xmlns:a16="http://schemas.microsoft.com/office/drawing/2014/main" id="{A5255A5F-2C6D-CC88-1AB0-5F6C39C5DD5E}"/>
               </a:ext>
             </a:extLst>
           </p:cNvPr>
@@ -1169,7 +1169,7 @@
           <p:cNvPr id="6" name="灯片编号占位符 5">
             <a:extLst>
               <a:ext uri="{FF2B5EF4-FFF2-40B4-BE49-F238E27FC236}">
-                <a16:creationId xmlns:a16="http://schemas.microsoft.com/office/drawing/2014/main" id="{C71CB7CA-8183-0F48-7667-45DD5E6152D3}"/>
+                <a16:creationId xmlns:a16="http://schemas.microsoft.com/office/drawing/2014/main" id="{30936407-B3DC-F199-0231-E89F2205403B}"/>
               </a:ext>
             </a:extLst>
           </p:cNvPr>
@@ -1185,7 +1185,7 @@
           <a:bodyPr/>
           <a:lstStyle/>
           <a:p>
-            <a:fld id="{DC630F52-86B8-424D-B84B-2640C39C887C}" type="slidenum">
+            <a:fld id="{EADE42FD-C556-4BFA-8D0A-076CDE83B0BF}" type="slidenum">
               <a:rPr lang="zh-CN" altLang="en-US" smtClean="0"/>
               <a:t>‹#›</a:t>
             </a:fld>
@@ -1196,7 +1196,7 @@
     </p:spTree>
     <p:extLst>
       <p:ext uri="{BB962C8B-B14F-4D97-AF65-F5344CB8AC3E}">
-        <p14:creationId xmlns:p14="http://schemas.microsoft.com/office/powerpoint/2010/main" val="4167129076"/>
+        <p14:creationId xmlns:p14="http://schemas.microsoft.com/office/powerpoint/2010/main" val="800663415"/>
       </p:ext>
     </p:extLst>
   </p:cSld>
@@ -1228,7 +1228,7 @@
           <p:cNvPr id="2" name="标题 1">
             <a:extLst>
               <a:ext uri="{FF2B5EF4-FFF2-40B4-BE49-F238E27FC236}">
-                <a16:creationId xmlns:a16="http://schemas.microsoft.com/office/drawing/2014/main" id="{29018374-ACE1-5055-9791-4A9EF05AF15F}"/>
+                <a16:creationId xmlns:a16="http://schemas.microsoft.com/office/drawing/2014/main" id="{F163377F-55E3-1764-D5F7-F21C9EF71B32}"/>
               </a:ext>
             </a:extLst>
           </p:cNvPr>
@@ -1256,7 +1256,7 @@
           <p:cNvPr id="3" name="内容占位符 2">
             <a:extLst>
               <a:ext uri="{FF2B5EF4-FFF2-40B4-BE49-F238E27FC236}">
-                <a16:creationId xmlns:a16="http://schemas.microsoft.com/office/drawing/2014/main" id="{725050A9-C13D-2B28-8FCF-71D21968E393}"/>
+                <a16:creationId xmlns:a16="http://schemas.microsoft.com/office/drawing/2014/main" id="{C44A1A39-310F-7396-6E0C-D478FD530382}"/>
               </a:ext>
             </a:extLst>
           </p:cNvPr>
@@ -1318,7 +1318,7 @@
           <p:cNvPr id="4" name="内容占位符 3">
             <a:extLst>
               <a:ext uri="{FF2B5EF4-FFF2-40B4-BE49-F238E27FC236}">
-                <a16:creationId xmlns:a16="http://schemas.microsoft.com/office/drawing/2014/main" id="{AC0708EA-4202-E46D-9D3B-3846BEF2459F}"/>
+                <a16:creationId xmlns:a16="http://schemas.microsoft.com/office/drawing/2014/main" id="{D110301A-610A-777B-24B9-CE86E434D8DE}"/>
               </a:ext>
             </a:extLst>
           </p:cNvPr>
@@ -1380,7 +1380,7 @@
           <p:cNvPr id="5" name="日期占位符 4">
             <a:extLst>
               <a:ext uri="{FF2B5EF4-FFF2-40B4-BE49-F238E27FC236}">
-                <a16:creationId xmlns:a16="http://schemas.microsoft.com/office/drawing/2014/main" id="{22391D4A-904C-5E93-FD99-B951D9CBEF6A}"/>
+                <a16:creationId xmlns:a16="http://schemas.microsoft.com/office/drawing/2014/main" id="{B1156D4B-D0E9-023E-5AAC-93679F81481F}"/>
               </a:ext>
             </a:extLst>
           </p:cNvPr>
@@ -1396,7 +1396,7 @@
           <a:bodyPr/>
           <a:lstStyle/>
           <a:p>
-            <a:fld id="{6189809B-CD88-48E3-BF7B-E2C5ABCB4D81}" type="datetimeFigureOut">
+            <a:fld id="{7C119E34-6C8D-4E9C-BAB9-2110685CF4C5}" type="datetimeFigureOut">
               <a:rPr lang="zh-CN" altLang="en-US" smtClean="0"/>
               <a:t>2024/3/10</a:t>
             </a:fld>
@@ -1409,7 +1409,7 @@
           <p:cNvPr id="6" name="页脚占位符 5">
             <a:extLst>
               <a:ext uri="{FF2B5EF4-FFF2-40B4-BE49-F238E27FC236}">
-                <a16:creationId xmlns:a16="http://schemas.microsoft.com/office/drawing/2014/main" id="{C34E7F7C-0282-716D-674E-0FCD202D3D4D}"/>
+                <a16:creationId xmlns:a16="http://schemas.microsoft.com/office/drawing/2014/main" id="{60A21555-BA58-A593-7297-63E1DCD79E34}"/>
               </a:ext>
             </a:extLst>
           </p:cNvPr>
@@ -1434,7 +1434,7 @@
           <p:cNvPr id="7" name="灯片编号占位符 6">
             <a:extLst>
               <a:ext uri="{FF2B5EF4-FFF2-40B4-BE49-F238E27FC236}">
-                <a16:creationId xmlns:a16="http://schemas.microsoft.com/office/drawing/2014/main" id="{7B240EFA-3577-8C87-82DD-DF639ADAE17B}"/>
+                <a16:creationId xmlns:a16="http://schemas.microsoft.com/office/drawing/2014/main" id="{7A443474-92D8-8496-7BF9-92F89D44023D}"/>
               </a:ext>
             </a:extLst>
           </p:cNvPr>
@@ -1450,7 +1450,7 @@
           <a:bodyPr/>
           <a:lstStyle/>
           <a:p>
-            <a:fld id="{DC630F52-86B8-424D-B84B-2640C39C887C}" type="slidenum">
+            <a:fld id="{EADE42FD-C556-4BFA-8D0A-076CDE83B0BF}" type="slidenum">
               <a:rPr lang="zh-CN" altLang="en-US" smtClean="0"/>
               <a:t>‹#›</a:t>
             </a:fld>
@@ -1461,7 +1461,7 @@
     </p:spTree>
     <p:extLst>
       <p:ext uri="{BB962C8B-B14F-4D97-AF65-F5344CB8AC3E}">
-        <p14:creationId xmlns:p14="http://schemas.microsoft.com/office/powerpoint/2010/main" val="44986046"/>
+        <p14:creationId xmlns:p14="http://schemas.microsoft.com/office/powerpoint/2010/main" val="2076209982"/>
       </p:ext>
     </p:extLst>
   </p:cSld>
@@ -1493,7 +1493,7 @@
           <p:cNvPr id="2" name="标题 1">
             <a:extLst>
               <a:ext uri="{FF2B5EF4-FFF2-40B4-BE49-F238E27FC236}">
-                <a16:creationId xmlns:a16="http://schemas.microsoft.com/office/drawing/2014/main" id="{15177820-C831-468F-E66B-EF79975A8C31}"/>
+                <a16:creationId xmlns:a16="http://schemas.microsoft.com/office/drawing/2014/main" id="{10DB52BA-4DC7-756E-051B-93D3C960220B}"/>
               </a:ext>
             </a:extLst>
           </p:cNvPr>
@@ -1526,7 +1526,7 @@
           <p:cNvPr id="3" name="文本占位符 2">
             <a:extLst>
               <a:ext uri="{FF2B5EF4-FFF2-40B4-BE49-F238E27FC236}">
-                <a16:creationId xmlns:a16="http://schemas.microsoft.com/office/drawing/2014/main" id="{E2E373C5-9668-E2D8-378F-B7C1470D03B9}"/>
+                <a16:creationId xmlns:a16="http://schemas.microsoft.com/office/drawing/2014/main" id="{DCD96E8B-345E-9E5B-A6C6-6882737AF7F7}"/>
               </a:ext>
             </a:extLst>
           </p:cNvPr>
@@ -1597,7 +1597,7 @@
           <p:cNvPr id="4" name="内容占位符 3">
             <a:extLst>
               <a:ext uri="{FF2B5EF4-FFF2-40B4-BE49-F238E27FC236}">
-                <a16:creationId xmlns:a16="http://schemas.microsoft.com/office/drawing/2014/main" id="{B519E5CC-393B-09A8-8AF6-9CB27DF33D6A}"/>
+                <a16:creationId xmlns:a16="http://schemas.microsoft.com/office/drawing/2014/main" id="{FAC9C434-472C-EFC5-DF8B-78CAED024C4E}"/>
               </a:ext>
             </a:extLst>
           </p:cNvPr>
@@ -1659,7 +1659,7 @@
           <p:cNvPr id="5" name="文本占位符 4">
             <a:extLst>
               <a:ext uri="{FF2B5EF4-FFF2-40B4-BE49-F238E27FC236}">
-                <a16:creationId xmlns:a16="http://schemas.microsoft.com/office/drawing/2014/main" id="{06780E2F-4D90-3078-CD5E-4C7B915F3115}"/>
+                <a16:creationId xmlns:a16="http://schemas.microsoft.com/office/drawing/2014/main" id="{8FC36CB1-7631-7442-8895-1ADDD307DC66}"/>
               </a:ext>
             </a:extLst>
           </p:cNvPr>
@@ -1730,7 +1730,7 @@
           <p:cNvPr id="6" name="内容占位符 5">
             <a:extLst>
               <a:ext uri="{FF2B5EF4-FFF2-40B4-BE49-F238E27FC236}">
-                <a16:creationId xmlns:a16="http://schemas.microsoft.com/office/drawing/2014/main" id="{9E685ECC-976B-BDE7-1D39-8730BE0157D8}"/>
+                <a16:creationId xmlns:a16="http://schemas.microsoft.com/office/drawing/2014/main" id="{BEC0F027-95D2-4F7E-D37B-2E70BE9FFA00}"/>
               </a:ext>
             </a:extLst>
           </p:cNvPr>
@@ -1792,7 +1792,7 @@
           <p:cNvPr id="7" name="日期占位符 6">
             <a:extLst>
               <a:ext uri="{FF2B5EF4-FFF2-40B4-BE49-F238E27FC236}">
-                <a16:creationId xmlns:a16="http://schemas.microsoft.com/office/drawing/2014/main" id="{512D696A-2174-14C7-F395-37F842DEB49D}"/>
+                <a16:creationId xmlns:a16="http://schemas.microsoft.com/office/drawing/2014/main" id="{D48353FC-1D4E-599E-020B-ABD27070EF5E}"/>
               </a:ext>
             </a:extLst>
           </p:cNvPr>
@@ -1808,7 +1808,7 @@
           <a:bodyPr/>
           <a:lstStyle/>
           <a:p>
-            <a:fld id="{6189809B-CD88-48E3-BF7B-E2C5ABCB4D81}" type="datetimeFigureOut">
+            <a:fld id="{7C119E34-6C8D-4E9C-BAB9-2110685CF4C5}" type="datetimeFigureOut">
               <a:rPr lang="zh-CN" altLang="en-US" smtClean="0"/>
               <a:t>2024/3/10</a:t>
             </a:fld>
@@ -1821,7 +1821,7 @@
           <p:cNvPr id="8" name="页脚占位符 7">
             <a:extLst>
               <a:ext uri="{FF2B5EF4-FFF2-40B4-BE49-F238E27FC236}">
-                <a16:creationId xmlns:a16="http://schemas.microsoft.com/office/drawing/2014/main" id="{2004EAE5-ADF9-4B16-5405-9AFA6BA4249A}"/>
+                <a16:creationId xmlns:a16="http://schemas.microsoft.com/office/drawing/2014/main" id="{56EA09AD-A9C5-4C41-40FE-17CA44F8D88D}"/>
               </a:ext>
             </a:extLst>
           </p:cNvPr>
@@ -1846,7 +1846,7 @@
           <p:cNvPr id="9" name="灯片编号占位符 8">
             <a:extLst>
               <a:ext uri="{FF2B5EF4-FFF2-40B4-BE49-F238E27FC236}">
-                <a16:creationId xmlns:a16="http://schemas.microsoft.com/office/drawing/2014/main" id="{C79985DA-234C-F2B9-05E3-B650F11F7508}"/>
+                <a16:creationId xmlns:a16="http://schemas.microsoft.com/office/drawing/2014/main" id="{E6691811-C8D5-DB53-13FA-FD0DB3363EF3}"/>
               </a:ext>
             </a:extLst>
           </p:cNvPr>
@@ -1862,7 +1862,7 @@
           <a:bodyPr/>
           <a:lstStyle/>
           <a:p>
-            <a:fld id="{DC630F52-86B8-424D-B84B-2640C39C887C}" type="slidenum">
+            <a:fld id="{EADE42FD-C556-4BFA-8D0A-076CDE83B0BF}" type="slidenum">
               <a:rPr lang="zh-CN" altLang="en-US" smtClean="0"/>
               <a:t>‹#›</a:t>
             </a:fld>
@@ -1873,7 +1873,7 @@
     </p:spTree>
     <p:extLst>
       <p:ext uri="{BB962C8B-B14F-4D97-AF65-F5344CB8AC3E}">
-        <p14:creationId xmlns:p14="http://schemas.microsoft.com/office/powerpoint/2010/main" val="2026178849"/>
+        <p14:creationId xmlns:p14="http://schemas.microsoft.com/office/powerpoint/2010/main" val="599436474"/>
       </p:ext>
     </p:extLst>
   </p:cSld>
@@ -1905,7 +1905,7 @@
           <p:cNvPr id="2" name="标题 1">
             <a:extLst>
               <a:ext uri="{FF2B5EF4-FFF2-40B4-BE49-F238E27FC236}">
-                <a16:creationId xmlns:a16="http://schemas.microsoft.com/office/drawing/2014/main" id="{67B59CBD-7F16-7EDC-40B7-ED20BD6EBD32}"/>
+                <a16:creationId xmlns:a16="http://schemas.microsoft.com/office/drawing/2014/main" id="{8512F444-ABC3-A826-90B1-ED51AE80CF35}"/>
               </a:ext>
             </a:extLst>
           </p:cNvPr>
@@ -1933,7 +1933,7 @@
           <p:cNvPr id="3" name="日期占位符 2">
             <a:extLst>
               <a:ext uri="{FF2B5EF4-FFF2-40B4-BE49-F238E27FC236}">
-                <a16:creationId xmlns:a16="http://schemas.microsoft.com/office/drawing/2014/main" id="{975E40A5-0A40-1321-F8CC-1F03E4B33B85}"/>
+                <a16:creationId xmlns:a16="http://schemas.microsoft.com/office/drawing/2014/main" id="{0B17FF71-78D6-7919-B02E-5129DBC9F90B}"/>
               </a:ext>
             </a:extLst>
           </p:cNvPr>
@@ -1949,7 +1949,7 @@
           <a:bodyPr/>
           <a:lstStyle/>
           <a:p>
-            <a:fld id="{6189809B-CD88-48E3-BF7B-E2C5ABCB4D81}" type="datetimeFigureOut">
+            <a:fld id="{7C119E34-6C8D-4E9C-BAB9-2110685CF4C5}" type="datetimeFigureOut">
               <a:rPr lang="zh-CN" altLang="en-US" smtClean="0"/>
               <a:t>2024/3/10</a:t>
             </a:fld>
@@ -1962,7 +1962,7 @@
           <p:cNvPr id="4" name="页脚占位符 3">
             <a:extLst>
               <a:ext uri="{FF2B5EF4-FFF2-40B4-BE49-F238E27FC236}">
-                <a16:creationId xmlns:a16="http://schemas.microsoft.com/office/drawing/2014/main" id="{0BDC1C30-0418-9015-93D8-A041AA6DBF71}"/>
+                <a16:creationId xmlns:a16="http://schemas.microsoft.com/office/drawing/2014/main" id="{215E83C4-0F9A-FF28-5B92-39C541B1324F}"/>
               </a:ext>
             </a:extLst>
           </p:cNvPr>
@@ -1987,7 +1987,7 @@
           <p:cNvPr id="5" name="灯片编号占位符 4">
             <a:extLst>
               <a:ext uri="{FF2B5EF4-FFF2-40B4-BE49-F238E27FC236}">
-                <a16:creationId xmlns:a16="http://schemas.microsoft.com/office/drawing/2014/main" id="{28253931-D70F-7061-FC69-C62398BAEDBF}"/>
+                <a16:creationId xmlns:a16="http://schemas.microsoft.com/office/drawing/2014/main" id="{444E9B3F-C55B-DED9-F2EE-A0DB581B53EA}"/>
               </a:ext>
             </a:extLst>
           </p:cNvPr>
@@ -2003,7 +2003,7 @@
           <a:bodyPr/>
           <a:lstStyle/>
           <a:p>
-            <a:fld id="{DC630F52-86B8-424D-B84B-2640C39C887C}" type="slidenum">
+            <a:fld id="{EADE42FD-C556-4BFA-8D0A-076CDE83B0BF}" type="slidenum">
               <a:rPr lang="zh-CN" altLang="en-US" smtClean="0"/>
               <a:t>‹#›</a:t>
             </a:fld>
@@ -2014,7 +2014,7 @@
     </p:spTree>
     <p:extLst>
       <p:ext uri="{BB962C8B-B14F-4D97-AF65-F5344CB8AC3E}">
-        <p14:creationId xmlns:p14="http://schemas.microsoft.com/office/powerpoint/2010/main" val="4203577428"/>
+        <p14:creationId xmlns:p14="http://schemas.microsoft.com/office/powerpoint/2010/main" val="3874651817"/>
       </p:ext>
     </p:extLst>
   </p:cSld>
@@ -2046,7 +2046,7 @@
           <p:cNvPr id="2" name="日期占位符 1">
             <a:extLst>
               <a:ext uri="{FF2B5EF4-FFF2-40B4-BE49-F238E27FC236}">
-                <a16:creationId xmlns:a16="http://schemas.microsoft.com/office/drawing/2014/main" id="{17B30D30-325B-7465-D51E-BE721C0BB878}"/>
+                <a16:creationId xmlns:a16="http://schemas.microsoft.com/office/drawing/2014/main" id="{5ED11249-8E9F-6B0D-1D38-C5C602A7F923}"/>
               </a:ext>
             </a:extLst>
           </p:cNvPr>
@@ -2062,7 +2062,7 @@
           <a:bodyPr/>
           <a:lstStyle/>
           <a:p>
-            <a:fld id="{6189809B-CD88-48E3-BF7B-E2C5ABCB4D81}" type="datetimeFigureOut">
+            <a:fld id="{7C119E34-6C8D-4E9C-BAB9-2110685CF4C5}" type="datetimeFigureOut">
               <a:rPr lang="zh-CN" altLang="en-US" smtClean="0"/>
               <a:t>2024/3/10</a:t>
             </a:fld>
@@ -2075,7 +2075,7 @@
           <p:cNvPr id="3" name="页脚占位符 2">
             <a:extLst>
               <a:ext uri="{FF2B5EF4-FFF2-40B4-BE49-F238E27FC236}">
-                <a16:creationId xmlns:a16="http://schemas.microsoft.com/office/drawing/2014/main" id="{73B92506-EDC3-81C3-3E72-CF4B59F73E43}"/>
+                <a16:creationId xmlns:a16="http://schemas.microsoft.com/office/drawing/2014/main" id="{72BAA03F-B797-17F5-DE8A-16C79A8D44A8}"/>
               </a:ext>
             </a:extLst>
           </p:cNvPr>
@@ -2100,7 +2100,7 @@
           <p:cNvPr id="4" name="灯片编号占位符 3">
             <a:extLst>
               <a:ext uri="{FF2B5EF4-FFF2-40B4-BE49-F238E27FC236}">
-                <a16:creationId xmlns:a16="http://schemas.microsoft.com/office/drawing/2014/main" id="{ED889DCE-AD6A-E4B2-0074-D70787CFC6AD}"/>
+                <a16:creationId xmlns:a16="http://schemas.microsoft.com/office/drawing/2014/main" id="{6CE295A6-A4A9-979C-8D74-BE9F0587BA86}"/>
               </a:ext>
             </a:extLst>
           </p:cNvPr>
@@ -2116,7 +2116,7 @@
           <a:bodyPr/>
           <a:lstStyle/>
           <a:p>
-            <a:fld id="{DC630F52-86B8-424D-B84B-2640C39C887C}" type="slidenum">
+            <a:fld id="{EADE42FD-C556-4BFA-8D0A-076CDE83B0BF}" type="slidenum">
               <a:rPr lang="zh-CN" altLang="en-US" smtClean="0"/>
               <a:t>‹#›</a:t>
             </a:fld>
@@ -2127,7 +2127,7 @@
     </p:spTree>
     <p:extLst>
       <p:ext uri="{BB962C8B-B14F-4D97-AF65-F5344CB8AC3E}">
-        <p14:creationId xmlns:p14="http://schemas.microsoft.com/office/powerpoint/2010/main" val="612409646"/>
+        <p14:creationId xmlns:p14="http://schemas.microsoft.com/office/powerpoint/2010/main" val="198467254"/>
       </p:ext>
     </p:extLst>
   </p:cSld>
@@ -2159,7 +2159,7 @@
           <p:cNvPr id="2" name="标题 1">
             <a:extLst>
               <a:ext uri="{FF2B5EF4-FFF2-40B4-BE49-F238E27FC236}">
-                <a16:creationId xmlns:a16="http://schemas.microsoft.com/office/drawing/2014/main" id="{BF5AFB76-6E1B-E161-C591-E8C76EE81EFA}"/>
+                <a16:creationId xmlns:a16="http://schemas.microsoft.com/office/drawing/2014/main" id="{B49DC58C-EEC9-AE57-534A-82B11F946C6E}"/>
               </a:ext>
             </a:extLst>
           </p:cNvPr>
@@ -2196,7 +2196,7 @@
           <p:cNvPr id="3" name="内容占位符 2">
             <a:extLst>
               <a:ext uri="{FF2B5EF4-FFF2-40B4-BE49-F238E27FC236}">
-                <a16:creationId xmlns:a16="http://schemas.microsoft.com/office/drawing/2014/main" id="{3B690EC0-684A-03E1-961D-8046D3C72036}"/>
+                <a16:creationId xmlns:a16="http://schemas.microsoft.com/office/drawing/2014/main" id="{A52BA1F7-2AE5-7DE3-9371-1B4892CAA051}"/>
               </a:ext>
             </a:extLst>
           </p:cNvPr>
@@ -2286,7 +2286,7 @@
           <p:cNvPr id="4" name="文本占位符 3">
             <a:extLst>
               <a:ext uri="{FF2B5EF4-FFF2-40B4-BE49-F238E27FC236}">
-                <a16:creationId xmlns:a16="http://schemas.microsoft.com/office/drawing/2014/main" id="{D414967A-3BCD-EDE0-6943-745E271CB811}"/>
+                <a16:creationId xmlns:a16="http://schemas.microsoft.com/office/drawing/2014/main" id="{DC3D2D25-5221-0196-A55C-12C562BF38BB}"/>
               </a:ext>
             </a:extLst>
           </p:cNvPr>
@@ -2357,7 +2357,7 @@
           <p:cNvPr id="5" name="日期占位符 4">
             <a:extLst>
               <a:ext uri="{FF2B5EF4-FFF2-40B4-BE49-F238E27FC236}">
-                <a16:creationId xmlns:a16="http://schemas.microsoft.com/office/drawing/2014/main" id="{7EED3332-5C72-5FF1-6E77-10BAAF8BF0F2}"/>
+                <a16:creationId xmlns:a16="http://schemas.microsoft.com/office/drawing/2014/main" id="{48906669-2D73-17B5-B92A-5E9C9C3C96C6}"/>
               </a:ext>
             </a:extLst>
           </p:cNvPr>
@@ -2373,7 +2373,7 @@
           <a:bodyPr/>
           <a:lstStyle/>
           <a:p>
-            <a:fld id="{6189809B-CD88-48E3-BF7B-E2C5ABCB4D81}" type="datetimeFigureOut">
+            <a:fld id="{7C119E34-6C8D-4E9C-BAB9-2110685CF4C5}" type="datetimeFigureOut">
               <a:rPr lang="zh-CN" altLang="en-US" smtClean="0"/>
               <a:t>2024/3/10</a:t>
             </a:fld>
@@ -2386,7 +2386,7 @@
           <p:cNvPr id="6" name="页脚占位符 5">
             <a:extLst>
               <a:ext uri="{FF2B5EF4-FFF2-40B4-BE49-F238E27FC236}">
-                <a16:creationId xmlns:a16="http://schemas.microsoft.com/office/drawing/2014/main" id="{95682D64-506A-B661-AC7C-A8149AC592B1}"/>
+                <a16:creationId xmlns:a16="http://schemas.microsoft.com/office/drawing/2014/main" id="{EFBC4697-7C32-F2E3-AA01-18C833E30688}"/>
               </a:ext>
             </a:extLst>
           </p:cNvPr>
@@ -2411,7 +2411,7 @@
           <p:cNvPr id="7" name="灯片编号占位符 6">
             <a:extLst>
               <a:ext uri="{FF2B5EF4-FFF2-40B4-BE49-F238E27FC236}">
-                <a16:creationId xmlns:a16="http://schemas.microsoft.com/office/drawing/2014/main" id="{11CBCBA1-1E49-7EC4-10EA-D47ACD3EACBB}"/>
+                <a16:creationId xmlns:a16="http://schemas.microsoft.com/office/drawing/2014/main" id="{0C597886-F150-7183-8E26-6AC1ABF1D5A8}"/>
               </a:ext>
             </a:extLst>
           </p:cNvPr>
@@ -2427,7 +2427,7 @@
           <a:bodyPr/>
           <a:lstStyle/>
           <a:p>
-            <a:fld id="{DC630F52-86B8-424D-B84B-2640C39C887C}" type="slidenum">
+            <a:fld id="{EADE42FD-C556-4BFA-8D0A-076CDE83B0BF}" type="slidenum">
               <a:rPr lang="zh-CN" altLang="en-US" smtClean="0"/>
               <a:t>‹#›</a:t>
             </a:fld>
@@ -2438,7 +2438,7 @@
     </p:spTree>
     <p:extLst>
       <p:ext uri="{BB962C8B-B14F-4D97-AF65-F5344CB8AC3E}">
-        <p14:creationId xmlns:p14="http://schemas.microsoft.com/office/powerpoint/2010/main" val="3226294735"/>
+        <p14:creationId xmlns:p14="http://schemas.microsoft.com/office/powerpoint/2010/main" val="645863564"/>
       </p:ext>
     </p:extLst>
   </p:cSld>
@@ -2470,7 +2470,7 @@
           <p:cNvPr id="2" name="标题 1">
             <a:extLst>
               <a:ext uri="{FF2B5EF4-FFF2-40B4-BE49-F238E27FC236}">
-                <a16:creationId xmlns:a16="http://schemas.microsoft.com/office/drawing/2014/main" id="{157D6D76-58D2-591D-137D-939410E1F01A}"/>
+                <a16:creationId xmlns:a16="http://schemas.microsoft.com/office/drawing/2014/main" id="{866F15ED-8A00-DB13-ADB8-40C686C843BE}"/>
               </a:ext>
             </a:extLst>
           </p:cNvPr>
@@ -2507,7 +2507,7 @@
           <p:cNvPr id="3" name="图片占位符 2">
             <a:extLst>
               <a:ext uri="{FF2B5EF4-FFF2-40B4-BE49-F238E27FC236}">
-                <a16:creationId xmlns:a16="http://schemas.microsoft.com/office/drawing/2014/main" id="{A777A02F-5635-7BB5-BE0A-C1D429AC3BE4}"/>
+                <a16:creationId xmlns:a16="http://schemas.microsoft.com/office/drawing/2014/main" id="{8D5C8C02-DCD2-47EB-8953-F4E736C3928F}"/>
               </a:ext>
             </a:extLst>
           </p:cNvPr>
@@ -2574,7 +2574,7 @@
           <p:cNvPr id="4" name="文本占位符 3">
             <a:extLst>
               <a:ext uri="{FF2B5EF4-FFF2-40B4-BE49-F238E27FC236}">
-                <a16:creationId xmlns:a16="http://schemas.microsoft.com/office/drawing/2014/main" id="{6F2E94E3-670F-B38D-FCB3-1903C9E43A1E}"/>
+                <a16:creationId xmlns:a16="http://schemas.microsoft.com/office/drawing/2014/main" id="{2CD9D5B1-231B-5DEA-CC9B-6960903B4F27}"/>
               </a:ext>
             </a:extLst>
           </p:cNvPr>
@@ -2645,7 +2645,7 @@
           <p:cNvPr id="5" name="日期占位符 4">
             <a:extLst>
               <a:ext uri="{FF2B5EF4-FFF2-40B4-BE49-F238E27FC236}">
-                <a16:creationId xmlns:a16="http://schemas.microsoft.com/office/drawing/2014/main" id="{493BBE3E-DD60-46C8-E0EF-FC1F4A30E350}"/>
+                <a16:creationId xmlns:a16="http://schemas.microsoft.com/office/drawing/2014/main" id="{6832EB7C-4142-1D0C-5D4C-0E84E2AB8BB8}"/>
               </a:ext>
             </a:extLst>
           </p:cNvPr>
@@ -2661,7 +2661,7 @@
           <a:bodyPr/>
           <a:lstStyle/>
           <a:p>
-            <a:fld id="{6189809B-CD88-48E3-BF7B-E2C5ABCB4D81}" type="datetimeFigureOut">
+            <a:fld id="{7C119E34-6C8D-4E9C-BAB9-2110685CF4C5}" type="datetimeFigureOut">
               <a:rPr lang="zh-CN" altLang="en-US" smtClean="0"/>
               <a:t>2024/3/10</a:t>
             </a:fld>
@@ -2674,7 +2674,7 @@
           <p:cNvPr id="6" name="页脚占位符 5">
             <a:extLst>
               <a:ext uri="{FF2B5EF4-FFF2-40B4-BE49-F238E27FC236}">
-                <a16:creationId xmlns:a16="http://schemas.microsoft.com/office/drawing/2014/main" id="{8E20CE54-D338-9C54-23D0-BDCD7E7461E1}"/>
+                <a16:creationId xmlns:a16="http://schemas.microsoft.com/office/drawing/2014/main" id="{C0973CEC-8458-8B07-9F4C-D21586A9284D}"/>
               </a:ext>
             </a:extLst>
           </p:cNvPr>
@@ -2699,7 +2699,7 @@
           <p:cNvPr id="7" name="灯片编号占位符 6">
             <a:extLst>
               <a:ext uri="{FF2B5EF4-FFF2-40B4-BE49-F238E27FC236}">
-                <a16:creationId xmlns:a16="http://schemas.microsoft.com/office/drawing/2014/main" id="{BF91E2EF-D6A4-7D45-BC01-141B7CA82D26}"/>
+                <a16:creationId xmlns:a16="http://schemas.microsoft.com/office/drawing/2014/main" id="{752424BF-4A22-EC1B-13F0-19D4FFED5A39}"/>
               </a:ext>
             </a:extLst>
           </p:cNvPr>
@@ -2715,7 +2715,7 @@
           <a:bodyPr/>
           <a:lstStyle/>
           <a:p>
-            <a:fld id="{DC630F52-86B8-424D-B84B-2640C39C887C}" type="slidenum">
+            <a:fld id="{EADE42FD-C556-4BFA-8D0A-076CDE83B0BF}" type="slidenum">
               <a:rPr lang="zh-CN" altLang="en-US" smtClean="0"/>
               <a:t>‹#›</a:t>
             </a:fld>
@@ -2726,7 +2726,7 @@
     </p:spTree>
     <p:extLst>
       <p:ext uri="{BB962C8B-B14F-4D97-AF65-F5344CB8AC3E}">
-        <p14:creationId xmlns:p14="http://schemas.microsoft.com/office/powerpoint/2010/main" val="829810132"/>
+        <p14:creationId xmlns:p14="http://schemas.microsoft.com/office/powerpoint/2010/main" val="3754997252"/>
       </p:ext>
     </p:extLst>
   </p:cSld>
@@ -2763,7 +2763,7 @@
           <p:cNvPr id="2" name="标题占位符 1">
             <a:extLst>
               <a:ext uri="{FF2B5EF4-FFF2-40B4-BE49-F238E27FC236}">
-                <a16:creationId xmlns:a16="http://schemas.microsoft.com/office/drawing/2014/main" id="{BFC0D47D-C3F8-CDBF-FE5C-816889758790}"/>
+                <a16:creationId xmlns:a16="http://schemas.microsoft.com/office/drawing/2014/main" id="{821509C6-16F9-416B-518B-BC19A72F0CAD}"/>
               </a:ext>
             </a:extLst>
           </p:cNvPr>
@@ -2801,7 +2801,7 @@
           <p:cNvPr id="3" name="文本占位符 2">
             <a:extLst>
               <a:ext uri="{FF2B5EF4-FFF2-40B4-BE49-F238E27FC236}">
-                <a16:creationId xmlns:a16="http://schemas.microsoft.com/office/drawing/2014/main" id="{6DF0ACEA-4647-79E6-626F-DD7ECC8D42FC}"/>
+                <a16:creationId xmlns:a16="http://schemas.microsoft.com/office/drawing/2014/main" id="{3DD9239B-25F8-2E39-875F-CB9FB3E59FA3}"/>
               </a:ext>
             </a:extLst>
           </p:cNvPr>
@@ -2868,7 +2868,7 @@
           <p:cNvPr id="4" name="日期占位符 3">
             <a:extLst>
               <a:ext uri="{FF2B5EF4-FFF2-40B4-BE49-F238E27FC236}">
-                <a16:creationId xmlns:a16="http://schemas.microsoft.com/office/drawing/2014/main" id="{9344F450-23B4-D41F-3D3D-AE2F4C9FD645}"/>
+                <a16:creationId xmlns:a16="http://schemas.microsoft.com/office/drawing/2014/main" id="{BE79D2C1-876D-FF7B-0932-76E8D2A35F86}"/>
               </a:ext>
             </a:extLst>
           </p:cNvPr>
@@ -2902,7 +2902,7 @@
             </a:lvl1pPr>
           </a:lstStyle>
           <a:p>
-            <a:fld id="{6189809B-CD88-48E3-BF7B-E2C5ABCB4D81}" type="datetimeFigureOut">
+            <a:fld id="{7C119E34-6C8D-4E9C-BAB9-2110685CF4C5}" type="datetimeFigureOut">
               <a:rPr lang="zh-CN" altLang="en-US" smtClean="0"/>
               <a:t>2024/3/10</a:t>
             </a:fld>
@@ -2915,7 +2915,7 @@
           <p:cNvPr id="5" name="页脚占位符 4">
             <a:extLst>
               <a:ext uri="{FF2B5EF4-FFF2-40B4-BE49-F238E27FC236}">
-                <a16:creationId xmlns:a16="http://schemas.microsoft.com/office/drawing/2014/main" id="{5205FC06-FB08-652F-2501-DB91422DBF4E}"/>
+                <a16:creationId xmlns:a16="http://schemas.microsoft.com/office/drawing/2014/main" id="{69AB7A3E-0D49-EBDA-9FA4-A0F2D133A3DE}"/>
               </a:ext>
             </a:extLst>
           </p:cNvPr>
@@ -2958,7 +2958,7 @@
           <p:cNvPr id="6" name="灯片编号占位符 5">
             <a:extLst>
               <a:ext uri="{FF2B5EF4-FFF2-40B4-BE49-F238E27FC236}">
-                <a16:creationId xmlns:a16="http://schemas.microsoft.com/office/drawing/2014/main" id="{AF962DB4-FA02-1703-F847-70D8A4198F74}"/>
+                <a16:creationId xmlns:a16="http://schemas.microsoft.com/office/drawing/2014/main" id="{4A63AE6D-548E-3ED4-4528-C55AE8C8B94E}"/>
               </a:ext>
             </a:extLst>
           </p:cNvPr>
@@ -2992,7 +2992,7 @@
             </a:lvl1pPr>
           </a:lstStyle>
           <a:p>
-            <a:fld id="{DC630F52-86B8-424D-B84B-2640C39C887C}" type="slidenum">
+            <a:fld id="{EADE42FD-C556-4BFA-8D0A-076CDE83B0BF}" type="slidenum">
               <a:rPr lang="zh-CN" altLang="en-US" smtClean="0"/>
               <a:t>‹#›</a:t>
             </a:fld>
@@ -3003,7 +3003,7 @@
     </p:spTree>
     <p:extLst>
       <p:ext uri="{BB962C8B-B14F-4D97-AF65-F5344CB8AC3E}">
-        <p14:creationId xmlns:p14="http://schemas.microsoft.com/office/powerpoint/2010/main" val="3213286013"/>
+        <p14:creationId xmlns:p14="http://schemas.microsoft.com/office/powerpoint/2010/main" val="3259890838"/>
       </p:ext>
     </p:extLst>
   </p:cSld>
@@ -3323,7 +3323,7 @@
       </p:grpSpPr>
       <p:pic>
         <p:nvPicPr>
-          <p:cNvPr id="731138" name="Picture 2" descr="713"/>
+          <p:cNvPr id="732162" name="Picture 2" descr="714"/>
           <p:cNvPicPr>
             <a:picLocks noChangeAspect="1" noChangeArrowheads="1"/>
           </p:cNvPicPr>
@@ -3344,8 +3344,8 @@
         </p:blipFill>
         <p:spPr bwMode="auto">
           <a:xfrm>
-            <a:off x="1524000" y="1"/>
-            <a:ext cx="9144000" cy="5445125"/>
+            <a:off x="1524000" y="0"/>
+            <a:ext cx="9144000" cy="6858000"/>
           </a:xfrm>
           <a:prstGeom prst="rect">
             <a:avLst/>
